--- a/slides/python_elemental_damp_slides.pptx
+++ b/slides/python_elemental_damp_slides.pptx
@@ -259,7 +259,7 @@
           <a:p>
             <a:fld id="{79628EB8-949E-4A49-BCFC-D69CB43FA443}" type="datetimeFigureOut">
               <a:rPr lang="es-ES" smtClean="0"/>
-              <a:t>25/01/2018</a:t>
+              <a:t>26/01/2018</a:t>
             </a:fld>
             <a:endParaRPr lang="es-ES"/>
           </a:p>
@@ -570,42 +570,6 @@
           <a:bodyPr/>
           <a:lstStyle/>
           <a:p>
-            <a:r>
-              <a:rPr lang="es-ES" dirty="0"/>
-              <a:t>El lenguaje C es obra de Dennis M. Ritchie cuando trabajaba en los Bell </a:t>
-            </a:r>
-            <a:r>
-              <a:rPr lang="es-ES" dirty="0" err="1"/>
-              <a:t>Labs</a:t>
-            </a:r>
-            <a:r>
-              <a:rPr lang="es-ES" dirty="0"/>
-              <a:t> de AT&amp;T</a:t>
-            </a:r>
-          </a:p>
-          <a:p>
-            <a:r>
-              <a:rPr lang="es-ES" dirty="0"/>
-              <a:t>Java lo diseñó James Gosling junto a su equipo de </a:t>
-            </a:r>
-            <a:r>
-              <a:rPr lang="es-ES" dirty="0" err="1"/>
-              <a:t>Sun</a:t>
-            </a:r>
-            <a:r>
-              <a:rPr lang="es-ES" dirty="0"/>
-              <a:t> Microsystems</a:t>
-            </a:r>
-          </a:p>
-          <a:p>
-            <a:r>
-              <a:rPr lang="es-ES" dirty="0"/>
-              <a:t>En la actualidad, Java es una marca propiedad de Oracle </a:t>
-            </a:r>
-            <a:r>
-              <a:rPr lang="es-ES" dirty="0" err="1"/>
-              <a:t>Corporation</a:t>
-            </a:r>
             <a:endParaRPr lang="es-ES" dirty="0"/>
           </a:p>
         </p:txBody>
@@ -627,7 +591,7 @@
           <a:p>
             <a:fld id="{2626A500-1DA6-4541-BE61-DEBA7B330470}" type="slidenum">
               <a:rPr lang="es-ES" smtClean="0"/>
-              <a:t>2</a:t>
+              <a:t>1</a:t>
             </a:fld>
             <a:endParaRPr lang="es-ES"/>
           </a:p>
@@ -636,7 +600,7 @@
     </p:spTree>
     <p:extLst>
       <p:ext uri="{BB962C8B-B14F-4D97-AF65-F5344CB8AC3E}">
-        <p14:creationId xmlns:p14="http://schemas.microsoft.com/office/powerpoint/2010/main" val="2912373726"/>
+        <p14:creationId xmlns:p14="http://schemas.microsoft.com/office/powerpoint/2010/main" val="1289932146"/>
       </p:ext>
     </p:extLst>
   </p:cSld>
@@ -711,7 +675,7 @@
           <a:p>
             <a:fld id="{2626A500-1DA6-4541-BE61-DEBA7B330470}" type="slidenum">
               <a:rPr lang="es-ES" smtClean="0"/>
-              <a:t>11</a:t>
+              <a:t>10</a:t>
             </a:fld>
             <a:endParaRPr lang="es-ES"/>
           </a:p>
@@ -720,7 +684,7 @@
     </p:spTree>
     <p:extLst>
       <p:ext uri="{BB962C8B-B14F-4D97-AF65-F5344CB8AC3E}">
-        <p14:creationId xmlns:p14="http://schemas.microsoft.com/office/powerpoint/2010/main" val="2514521510"/>
+        <p14:creationId xmlns:p14="http://schemas.microsoft.com/office/powerpoint/2010/main" val="4165806672"/>
       </p:ext>
     </p:extLst>
   </p:cSld>
@@ -795,7 +759,7 @@
           <a:p>
             <a:fld id="{2626A500-1DA6-4541-BE61-DEBA7B330470}" type="slidenum">
               <a:rPr lang="es-ES" smtClean="0"/>
-              <a:t>12</a:t>
+              <a:t>11</a:t>
             </a:fld>
             <a:endParaRPr lang="es-ES"/>
           </a:p>
@@ -804,7 +768,7 @@
     </p:spTree>
     <p:extLst>
       <p:ext uri="{BB962C8B-B14F-4D97-AF65-F5344CB8AC3E}">
-        <p14:creationId xmlns:p14="http://schemas.microsoft.com/office/powerpoint/2010/main" val="545626975"/>
+        <p14:creationId xmlns:p14="http://schemas.microsoft.com/office/powerpoint/2010/main" val="2514521510"/>
       </p:ext>
     </p:extLst>
   </p:cSld>
@@ -879,7 +843,7 @@
           <a:p>
             <a:fld id="{2626A500-1DA6-4541-BE61-DEBA7B330470}" type="slidenum">
               <a:rPr lang="es-ES" smtClean="0"/>
-              <a:t>13</a:t>
+              <a:t>12</a:t>
             </a:fld>
             <a:endParaRPr lang="es-ES"/>
           </a:p>
@@ -888,7 +852,7 @@
     </p:spTree>
     <p:extLst>
       <p:ext uri="{BB962C8B-B14F-4D97-AF65-F5344CB8AC3E}">
-        <p14:creationId xmlns:p14="http://schemas.microsoft.com/office/powerpoint/2010/main" val="3154018890"/>
+        <p14:creationId xmlns:p14="http://schemas.microsoft.com/office/powerpoint/2010/main" val="545626975"/>
       </p:ext>
     </p:extLst>
   </p:cSld>
@@ -963,7 +927,7 @@
           <a:p>
             <a:fld id="{2626A500-1DA6-4541-BE61-DEBA7B330470}" type="slidenum">
               <a:rPr lang="es-ES" smtClean="0"/>
-              <a:t>14</a:t>
+              <a:t>13</a:t>
             </a:fld>
             <a:endParaRPr lang="es-ES"/>
           </a:p>
@@ -972,7 +936,7 @@
     </p:spTree>
     <p:extLst>
       <p:ext uri="{BB962C8B-B14F-4D97-AF65-F5344CB8AC3E}">
-        <p14:creationId xmlns:p14="http://schemas.microsoft.com/office/powerpoint/2010/main" val="2662377078"/>
+        <p14:creationId xmlns:p14="http://schemas.microsoft.com/office/powerpoint/2010/main" val="3154018890"/>
       </p:ext>
     </p:extLst>
   </p:cSld>
@@ -1047,7 +1011,7 @@
           <a:p>
             <a:fld id="{2626A500-1DA6-4541-BE61-DEBA7B330470}" type="slidenum">
               <a:rPr lang="es-ES" smtClean="0"/>
-              <a:t>15</a:t>
+              <a:t>14</a:t>
             </a:fld>
             <a:endParaRPr lang="es-ES"/>
           </a:p>
@@ -1056,7 +1020,7 @@
     </p:spTree>
     <p:extLst>
       <p:ext uri="{BB962C8B-B14F-4D97-AF65-F5344CB8AC3E}">
-        <p14:creationId xmlns:p14="http://schemas.microsoft.com/office/powerpoint/2010/main" val="1176596949"/>
+        <p14:creationId xmlns:p14="http://schemas.microsoft.com/office/powerpoint/2010/main" val="2662377078"/>
       </p:ext>
     </p:extLst>
   </p:cSld>
@@ -1131,7 +1095,7 @@
           <a:p>
             <a:fld id="{2626A500-1DA6-4541-BE61-DEBA7B330470}" type="slidenum">
               <a:rPr lang="es-ES" smtClean="0"/>
-              <a:t>17</a:t>
+              <a:t>15</a:t>
             </a:fld>
             <a:endParaRPr lang="es-ES"/>
           </a:p>
@@ -1140,7 +1104,7 @@
     </p:spTree>
     <p:extLst>
       <p:ext uri="{BB962C8B-B14F-4D97-AF65-F5344CB8AC3E}">
-        <p14:creationId xmlns:p14="http://schemas.microsoft.com/office/powerpoint/2010/main" val="407489596"/>
+        <p14:creationId xmlns:p14="http://schemas.microsoft.com/office/powerpoint/2010/main" val="1176596949"/>
       </p:ext>
     </p:extLst>
   </p:cSld>
@@ -1215,7 +1179,7 @@
           <a:p>
             <a:fld id="{2626A500-1DA6-4541-BE61-DEBA7B330470}" type="slidenum">
               <a:rPr lang="es-ES" smtClean="0"/>
-              <a:t>18</a:t>
+              <a:t>17</a:t>
             </a:fld>
             <a:endParaRPr lang="es-ES"/>
           </a:p>
@@ -1224,7 +1188,7 @@
     </p:spTree>
     <p:extLst>
       <p:ext uri="{BB962C8B-B14F-4D97-AF65-F5344CB8AC3E}">
-        <p14:creationId xmlns:p14="http://schemas.microsoft.com/office/powerpoint/2010/main" val="4072523269"/>
+        <p14:creationId xmlns:p14="http://schemas.microsoft.com/office/powerpoint/2010/main" val="407489596"/>
       </p:ext>
     </p:extLst>
   </p:cSld>
@@ -1299,7 +1263,7 @@
           <a:p>
             <a:fld id="{2626A500-1DA6-4541-BE61-DEBA7B330470}" type="slidenum">
               <a:rPr lang="es-ES" smtClean="0"/>
-              <a:t>19</a:t>
+              <a:t>18</a:t>
             </a:fld>
             <a:endParaRPr lang="es-ES"/>
           </a:p>
@@ -1308,7 +1272,7 @@
     </p:spTree>
     <p:extLst>
       <p:ext uri="{BB962C8B-B14F-4D97-AF65-F5344CB8AC3E}">
-        <p14:creationId xmlns:p14="http://schemas.microsoft.com/office/powerpoint/2010/main" val="3437840941"/>
+        <p14:creationId xmlns:p14="http://schemas.microsoft.com/office/powerpoint/2010/main" val="4072523269"/>
       </p:ext>
     </p:extLst>
   </p:cSld>
@@ -1383,7 +1347,7 @@
           <a:p>
             <a:fld id="{2626A500-1DA6-4541-BE61-DEBA7B330470}" type="slidenum">
               <a:rPr lang="es-ES" smtClean="0"/>
-              <a:t>20</a:t>
+              <a:t>19</a:t>
             </a:fld>
             <a:endParaRPr lang="es-ES"/>
           </a:p>
@@ -1392,7 +1356,7 @@
     </p:spTree>
     <p:extLst>
       <p:ext uri="{BB962C8B-B14F-4D97-AF65-F5344CB8AC3E}">
-        <p14:creationId xmlns:p14="http://schemas.microsoft.com/office/powerpoint/2010/main" val="3637499238"/>
+        <p14:creationId xmlns:p14="http://schemas.microsoft.com/office/powerpoint/2010/main" val="3437840941"/>
       </p:ext>
     </p:extLst>
   </p:cSld>
@@ -1467,7 +1431,7 @@
           <a:p>
             <a:fld id="{2626A500-1DA6-4541-BE61-DEBA7B330470}" type="slidenum">
               <a:rPr lang="es-ES" smtClean="0"/>
-              <a:t>21</a:t>
+              <a:t>20</a:t>
             </a:fld>
             <a:endParaRPr lang="es-ES"/>
           </a:p>
@@ -1476,7 +1440,7 @@
     </p:spTree>
     <p:extLst>
       <p:ext uri="{BB962C8B-B14F-4D97-AF65-F5344CB8AC3E}">
-        <p14:creationId xmlns:p14="http://schemas.microsoft.com/office/powerpoint/2010/main" val="2416414555"/>
+        <p14:creationId xmlns:p14="http://schemas.microsoft.com/office/powerpoint/2010/main" val="3637499238"/>
       </p:ext>
     </p:extLst>
   </p:cSld>
@@ -1532,8 +1496,41 @@
           <a:p>
             <a:r>
               <a:rPr lang="es-ES" dirty="0"/>
-              <a:t>Las clasificaciones de uso de lenguajes son complicadas. No es lo mismo el lenguaje más popular entre los desarrolladores, el más demandado por la empresas o el que más líneas de código produce. En cualquier caso, Python aparece siempre entre los 5 primeros.</a:t>
-            </a:r>
+              <a:t>El lenguaje C es obra de Dennis M. Ritchie cuando trabajaba en los Bell </a:t>
+            </a:r>
+            <a:r>
+              <a:rPr lang="es-ES" dirty="0" err="1"/>
+              <a:t>Labs</a:t>
+            </a:r>
+            <a:r>
+              <a:rPr lang="es-ES" dirty="0"/>
+              <a:t> de AT&amp;T</a:t>
+            </a:r>
+          </a:p>
+          <a:p>
+            <a:r>
+              <a:rPr lang="es-ES" dirty="0"/>
+              <a:t>Java lo diseñó James Gosling junto a su equipo de </a:t>
+            </a:r>
+            <a:r>
+              <a:rPr lang="es-ES" dirty="0" err="1"/>
+              <a:t>Sun</a:t>
+            </a:r>
+            <a:r>
+              <a:rPr lang="es-ES" dirty="0"/>
+              <a:t> Microsystems</a:t>
+            </a:r>
+          </a:p>
+          <a:p>
+            <a:r>
+              <a:rPr lang="es-ES" dirty="0"/>
+              <a:t>En la actualidad, Java es una marca propiedad de Oracle </a:t>
+            </a:r>
+            <a:r>
+              <a:rPr lang="es-ES" dirty="0" err="1"/>
+              <a:t>Corporation</a:t>
+            </a:r>
+            <a:endParaRPr lang="es-ES" dirty="0"/>
           </a:p>
         </p:txBody>
       </p:sp>
@@ -1554,7 +1551,7 @@
           <a:p>
             <a:fld id="{2626A500-1DA6-4541-BE61-DEBA7B330470}" type="slidenum">
               <a:rPr lang="es-ES" smtClean="0"/>
-              <a:t>3</a:t>
+              <a:t>2</a:t>
             </a:fld>
             <a:endParaRPr lang="es-ES"/>
           </a:p>
@@ -1563,7 +1560,7 @@
     </p:spTree>
     <p:extLst>
       <p:ext uri="{BB962C8B-B14F-4D97-AF65-F5344CB8AC3E}">
-        <p14:creationId xmlns:p14="http://schemas.microsoft.com/office/powerpoint/2010/main" val="2369417301"/>
+        <p14:creationId xmlns:p14="http://schemas.microsoft.com/office/powerpoint/2010/main" val="2912373726"/>
       </p:ext>
     </p:extLst>
   </p:cSld>
@@ -1638,7 +1635,7 @@
           <a:p>
             <a:fld id="{2626A500-1DA6-4541-BE61-DEBA7B330470}" type="slidenum">
               <a:rPr lang="es-ES" smtClean="0"/>
-              <a:t>22</a:t>
+              <a:t>21</a:t>
             </a:fld>
             <a:endParaRPr lang="es-ES"/>
           </a:p>
@@ -1647,7 +1644,7 @@
     </p:spTree>
     <p:extLst>
       <p:ext uri="{BB962C8B-B14F-4D97-AF65-F5344CB8AC3E}">
-        <p14:creationId xmlns:p14="http://schemas.microsoft.com/office/powerpoint/2010/main" val="1005631343"/>
+        <p14:creationId xmlns:p14="http://schemas.microsoft.com/office/powerpoint/2010/main" val="2416414555"/>
       </p:ext>
     </p:extLst>
   </p:cSld>
@@ -1722,7 +1719,7 @@
           <a:p>
             <a:fld id="{2626A500-1DA6-4541-BE61-DEBA7B330470}" type="slidenum">
               <a:rPr lang="es-ES" smtClean="0"/>
-              <a:t>23</a:t>
+              <a:t>22</a:t>
             </a:fld>
             <a:endParaRPr lang="es-ES"/>
           </a:p>
@@ -1731,7 +1728,7 @@
     </p:spTree>
     <p:extLst>
       <p:ext uri="{BB962C8B-B14F-4D97-AF65-F5344CB8AC3E}">
-        <p14:creationId xmlns:p14="http://schemas.microsoft.com/office/powerpoint/2010/main" val="3906892320"/>
+        <p14:creationId xmlns:p14="http://schemas.microsoft.com/office/powerpoint/2010/main" val="1005631343"/>
       </p:ext>
     </p:extLst>
   </p:cSld>
@@ -1806,7 +1803,7 @@
           <a:p>
             <a:fld id="{2626A500-1DA6-4541-BE61-DEBA7B330470}" type="slidenum">
               <a:rPr lang="es-ES" smtClean="0"/>
-              <a:t>24</a:t>
+              <a:t>23</a:t>
             </a:fld>
             <a:endParaRPr lang="es-ES"/>
           </a:p>
@@ -1815,7 +1812,7 @@
     </p:spTree>
     <p:extLst>
       <p:ext uri="{BB962C8B-B14F-4D97-AF65-F5344CB8AC3E}">
-        <p14:creationId xmlns:p14="http://schemas.microsoft.com/office/powerpoint/2010/main" val="881134534"/>
+        <p14:creationId xmlns:p14="http://schemas.microsoft.com/office/powerpoint/2010/main" val="3906892320"/>
       </p:ext>
     </p:extLst>
   </p:cSld>
@@ -1890,7 +1887,7 @@
           <a:p>
             <a:fld id="{2626A500-1DA6-4541-BE61-DEBA7B330470}" type="slidenum">
               <a:rPr lang="es-ES" smtClean="0"/>
-              <a:t>25</a:t>
+              <a:t>24</a:t>
             </a:fld>
             <a:endParaRPr lang="es-ES"/>
           </a:p>
@@ -1899,7 +1896,7 @@
     </p:spTree>
     <p:extLst>
       <p:ext uri="{BB962C8B-B14F-4D97-AF65-F5344CB8AC3E}">
-        <p14:creationId xmlns:p14="http://schemas.microsoft.com/office/powerpoint/2010/main" val="119112233"/>
+        <p14:creationId xmlns:p14="http://schemas.microsoft.com/office/powerpoint/2010/main" val="881134534"/>
       </p:ext>
     </p:extLst>
   </p:cSld>
@@ -1953,10 +1950,7 @@
           <a:bodyPr/>
           <a:lstStyle/>
           <a:p>
-            <a:r>
-              <a:rPr lang="es-ES" dirty="0"/>
-              <a:t>Imagen https://pxhere.com/en/photo/1192193 Dominio público</a:t>
-            </a:r>
+            <a:endParaRPr lang="es-ES" dirty="0"/>
           </a:p>
         </p:txBody>
       </p:sp>
@@ -1977,7 +1971,7 @@
           <a:p>
             <a:fld id="{2626A500-1DA6-4541-BE61-DEBA7B330470}" type="slidenum">
               <a:rPr lang="es-ES" smtClean="0"/>
-              <a:t>26</a:t>
+              <a:t>25</a:t>
             </a:fld>
             <a:endParaRPr lang="es-ES"/>
           </a:p>
@@ -1986,7 +1980,7 @@
     </p:spTree>
     <p:extLst>
       <p:ext uri="{BB962C8B-B14F-4D97-AF65-F5344CB8AC3E}">
-        <p14:creationId xmlns:p14="http://schemas.microsoft.com/office/powerpoint/2010/main" val="3410547546"/>
+        <p14:creationId xmlns:p14="http://schemas.microsoft.com/office/powerpoint/2010/main" val="119112233"/>
       </p:ext>
     </p:extLst>
   </p:cSld>
@@ -2042,69 +2036,8 @@
           <a:p>
             <a:r>
               <a:rPr lang="es-ES" dirty="0"/>
-              <a:t>VIDEO: Tema de </a:t>
-            </a:r>
-            <a:r>
-              <a:rPr lang="es-ES" sz="1200" b="0" i="0" u="none" strike="noStrike" kern="1200" dirty="0" err="1">
-                <a:solidFill>
-                  <a:schemeClr val="tx1"/>
-                </a:solidFill>
-                <a:effectLst/>
-                <a:latin typeface="+mn-lt"/>
-                <a:ea typeface="+mn-ea"/>
-                <a:cs typeface="+mn-cs"/>
-              </a:rPr>
-              <a:t>Leisure</a:t>
-            </a:r>
-            <a:r>
-              <a:rPr lang="es-ES" sz="1200" b="0" i="0" u="none" strike="noStrike" kern="1200" dirty="0">
-                <a:solidFill>
-                  <a:schemeClr val="tx1"/>
-                </a:solidFill>
-                <a:effectLst/>
-                <a:latin typeface="+mn-lt"/>
-                <a:ea typeface="+mn-ea"/>
-                <a:cs typeface="+mn-cs"/>
-              </a:rPr>
-              <a:t> </a:t>
-            </a:r>
-            <a:r>
-              <a:rPr lang="es-ES" sz="1200" b="0" i="0" u="none" strike="noStrike" kern="1200" dirty="0" err="1">
-                <a:solidFill>
-                  <a:schemeClr val="tx1"/>
-                </a:solidFill>
-                <a:effectLst/>
-                <a:latin typeface="+mn-lt"/>
-                <a:ea typeface="+mn-ea"/>
-                <a:cs typeface="+mn-cs"/>
-              </a:rPr>
-              <a:t>Suit</a:t>
-            </a:r>
-            <a:r>
-              <a:rPr lang="es-ES" sz="1200" b="0" i="0" u="none" strike="noStrike" kern="1200" dirty="0">
-                <a:solidFill>
-                  <a:schemeClr val="tx1"/>
-                </a:solidFill>
-                <a:effectLst/>
-                <a:latin typeface="+mn-lt"/>
-                <a:ea typeface="+mn-ea"/>
-                <a:cs typeface="+mn-cs"/>
-              </a:rPr>
-              <a:t> Larry. Programa y música de Al </a:t>
-            </a:r>
-            <a:r>
-              <a:rPr lang="es-ES" sz="1200" b="0" i="0" u="none" strike="noStrike" kern="1200" dirty="0" err="1">
-                <a:solidFill>
-                  <a:schemeClr val="tx1"/>
-                </a:solidFill>
-                <a:effectLst/>
-                <a:latin typeface="+mn-lt"/>
-                <a:ea typeface="+mn-ea"/>
-                <a:cs typeface="+mn-cs"/>
-              </a:rPr>
-              <a:t>Lowe</a:t>
-            </a:r>
-            <a:endParaRPr lang="es-ES" dirty="0"/>
+              <a:t>Imagen https://pxhere.com/en/photo/1192193 Dominio público</a:t>
+            </a:r>
           </a:p>
         </p:txBody>
       </p:sp>
@@ -2125,7 +2058,7 @@
           <a:p>
             <a:fld id="{2626A500-1DA6-4541-BE61-DEBA7B330470}" type="slidenum">
               <a:rPr lang="es-ES" smtClean="0"/>
-              <a:t>27</a:t>
+              <a:t>26</a:t>
             </a:fld>
             <a:endParaRPr lang="es-ES"/>
           </a:p>
@@ -2134,7 +2067,7 @@
     </p:spTree>
     <p:extLst>
       <p:ext uri="{BB962C8B-B14F-4D97-AF65-F5344CB8AC3E}">
-        <p14:creationId xmlns:p14="http://schemas.microsoft.com/office/powerpoint/2010/main" val="969872110"/>
+        <p14:creationId xmlns:p14="http://schemas.microsoft.com/office/powerpoint/2010/main" val="3410547546"/>
       </p:ext>
     </p:extLst>
   </p:cSld>
@@ -2190,8 +2123,69 @@
           <a:p>
             <a:r>
               <a:rPr lang="es-ES" dirty="0"/>
-              <a:t>Imagen https://pxhere.com/en/photo/1192193 Dominio público</a:t>
-            </a:r>
+              <a:t>VIDEO: Tema de </a:t>
+            </a:r>
+            <a:r>
+              <a:rPr lang="es-ES" sz="1200" b="0" i="0" u="none" strike="noStrike" kern="1200" dirty="0" err="1">
+                <a:solidFill>
+                  <a:schemeClr val="tx1"/>
+                </a:solidFill>
+                <a:effectLst/>
+                <a:latin typeface="+mn-lt"/>
+                <a:ea typeface="+mn-ea"/>
+                <a:cs typeface="+mn-cs"/>
+              </a:rPr>
+              <a:t>Leisure</a:t>
+            </a:r>
+            <a:r>
+              <a:rPr lang="es-ES" sz="1200" b="0" i="0" u="none" strike="noStrike" kern="1200" dirty="0">
+                <a:solidFill>
+                  <a:schemeClr val="tx1"/>
+                </a:solidFill>
+                <a:effectLst/>
+                <a:latin typeface="+mn-lt"/>
+                <a:ea typeface="+mn-ea"/>
+                <a:cs typeface="+mn-cs"/>
+              </a:rPr>
+              <a:t> </a:t>
+            </a:r>
+            <a:r>
+              <a:rPr lang="es-ES" sz="1200" b="0" i="0" u="none" strike="noStrike" kern="1200" dirty="0" err="1">
+                <a:solidFill>
+                  <a:schemeClr val="tx1"/>
+                </a:solidFill>
+                <a:effectLst/>
+                <a:latin typeface="+mn-lt"/>
+                <a:ea typeface="+mn-ea"/>
+                <a:cs typeface="+mn-cs"/>
+              </a:rPr>
+              <a:t>Suit</a:t>
+            </a:r>
+            <a:r>
+              <a:rPr lang="es-ES" sz="1200" b="0" i="0" u="none" strike="noStrike" kern="1200" dirty="0">
+                <a:solidFill>
+                  <a:schemeClr val="tx1"/>
+                </a:solidFill>
+                <a:effectLst/>
+                <a:latin typeface="+mn-lt"/>
+                <a:ea typeface="+mn-ea"/>
+                <a:cs typeface="+mn-cs"/>
+              </a:rPr>
+              <a:t> Larry. Programa y música de Al </a:t>
+            </a:r>
+            <a:r>
+              <a:rPr lang="es-ES" sz="1200" b="0" i="0" u="none" strike="noStrike" kern="1200" dirty="0" err="1">
+                <a:solidFill>
+                  <a:schemeClr val="tx1"/>
+                </a:solidFill>
+                <a:effectLst/>
+                <a:latin typeface="+mn-lt"/>
+                <a:ea typeface="+mn-ea"/>
+                <a:cs typeface="+mn-cs"/>
+              </a:rPr>
+              <a:t>Lowe</a:t>
+            </a:r>
+            <a:endParaRPr lang="es-ES" dirty="0"/>
           </a:p>
         </p:txBody>
       </p:sp>
@@ -2212,7 +2206,7 @@
           <a:p>
             <a:fld id="{2626A500-1DA6-4541-BE61-DEBA7B330470}" type="slidenum">
               <a:rPr lang="es-ES" smtClean="0"/>
-              <a:t>28</a:t>
+              <a:t>27</a:t>
             </a:fld>
             <a:endParaRPr lang="es-ES"/>
           </a:p>
@@ -2221,7 +2215,7 @@
     </p:spTree>
     <p:extLst>
       <p:ext uri="{BB962C8B-B14F-4D97-AF65-F5344CB8AC3E}">
-        <p14:creationId xmlns:p14="http://schemas.microsoft.com/office/powerpoint/2010/main" val="4099308197"/>
+        <p14:creationId xmlns:p14="http://schemas.microsoft.com/office/powerpoint/2010/main" val="969872110"/>
       </p:ext>
     </p:extLst>
   </p:cSld>
@@ -2277,7 +2271,7 @@
           <a:p>
             <a:r>
               <a:rPr lang="es-ES" dirty="0"/>
-              <a:t>Imagen Joseph Fourier https://commons.wikimedia.org/wiki/File:Joseph_Fourier_(circa_1820).jpg</a:t>
+              <a:t>Imagen https://pxhere.com/en/photo/1192193 Dominio público</a:t>
             </a:r>
           </a:p>
         </p:txBody>
@@ -2299,7 +2293,7 @@
           <a:p>
             <a:fld id="{2626A500-1DA6-4541-BE61-DEBA7B330470}" type="slidenum">
               <a:rPr lang="es-ES" smtClean="0"/>
-              <a:t>29</a:t>
+              <a:t>28</a:t>
             </a:fld>
             <a:endParaRPr lang="es-ES"/>
           </a:p>
@@ -2308,7 +2302,7 @@
     </p:spTree>
     <p:extLst>
       <p:ext uri="{BB962C8B-B14F-4D97-AF65-F5344CB8AC3E}">
-        <p14:creationId xmlns:p14="http://schemas.microsoft.com/office/powerpoint/2010/main" val="507587488"/>
+        <p14:creationId xmlns:p14="http://schemas.microsoft.com/office/powerpoint/2010/main" val="4099308197"/>
       </p:ext>
     </p:extLst>
   </p:cSld>
@@ -2362,7 +2356,10 @@
           <a:bodyPr/>
           <a:lstStyle/>
           <a:p>
-            <a:endParaRPr lang="es-ES" dirty="0"/>
+            <a:r>
+              <a:rPr lang="es-ES" dirty="0"/>
+              <a:t>Imagen Joseph Fourier https://commons.wikimedia.org/wiki/File:Joseph_Fourier_(circa_1820).jpg</a:t>
+            </a:r>
           </a:p>
         </p:txBody>
       </p:sp>
@@ -2383,7 +2380,7 @@
           <a:p>
             <a:fld id="{2626A500-1DA6-4541-BE61-DEBA7B330470}" type="slidenum">
               <a:rPr lang="es-ES" smtClean="0"/>
-              <a:t>30</a:t>
+              <a:t>29</a:t>
             </a:fld>
             <a:endParaRPr lang="es-ES"/>
           </a:p>
@@ -2392,7 +2389,7 @@
     </p:spTree>
     <p:extLst>
       <p:ext uri="{BB962C8B-B14F-4D97-AF65-F5344CB8AC3E}">
-        <p14:creationId xmlns:p14="http://schemas.microsoft.com/office/powerpoint/2010/main" val="2722761063"/>
+        <p14:creationId xmlns:p14="http://schemas.microsoft.com/office/powerpoint/2010/main" val="507587488"/>
       </p:ext>
     </p:extLst>
   </p:cSld>
@@ -2467,7 +2464,7 @@
           <a:p>
             <a:fld id="{2626A500-1DA6-4541-BE61-DEBA7B330470}" type="slidenum">
               <a:rPr lang="es-ES" smtClean="0"/>
-              <a:t>31</a:t>
+              <a:t>30</a:t>
             </a:fld>
             <a:endParaRPr lang="es-ES"/>
           </a:p>
@@ -2476,7 +2473,7 @@
     </p:spTree>
     <p:extLst>
       <p:ext uri="{BB962C8B-B14F-4D97-AF65-F5344CB8AC3E}">
-        <p14:creationId xmlns:p14="http://schemas.microsoft.com/office/powerpoint/2010/main" val="3967788565"/>
+        <p14:creationId xmlns:p14="http://schemas.microsoft.com/office/powerpoint/2010/main" val="2722761063"/>
       </p:ext>
     </p:extLst>
   </p:cSld>
@@ -2532,23 +2529,8 @@
           <a:p>
             <a:r>
               <a:rPr lang="es-ES" dirty="0"/>
-              <a:t>Imagen Guido van </a:t>
-            </a:r>
-            <a:r>
-              <a:rPr lang="es-ES" dirty="0" err="1"/>
-              <a:t>Rossum</a:t>
-            </a:r>
-            <a:r>
-              <a:rPr lang="es-ES" dirty="0"/>
-              <a:t> https://upload.wikimedia.org/wikipedia/commons/9/94/Guido_van_Rossum_OSCON_2006_cropped.png CC BY 2.0 Autor </a:t>
-            </a:r>
-            <a:r>
-              <a:rPr lang="es-ES" dirty="0" err="1">
-                <a:hlinkClick r:id="rId3" tooltip="User:Maartenschrijft"/>
-              </a:rPr>
-              <a:t>Maartenschrijft</a:t>
-            </a:r>
-            <a:endParaRPr lang="es-ES" dirty="0"/>
+              <a:t>Las clasificaciones de uso de lenguajes son complicadas. No es lo mismo el lenguaje más popular entre los desarrolladores, el más demandado por la empresas o el que más líneas de código produce. En cualquier caso, Python aparece siempre entre los 5 primeros.</a:t>
+            </a:r>
           </a:p>
         </p:txBody>
       </p:sp>
@@ -2569,7 +2551,7 @@
           <a:p>
             <a:fld id="{2626A500-1DA6-4541-BE61-DEBA7B330470}" type="slidenum">
               <a:rPr lang="es-ES" smtClean="0"/>
-              <a:t>4</a:t>
+              <a:t>3</a:t>
             </a:fld>
             <a:endParaRPr lang="es-ES"/>
           </a:p>
@@ -2578,7 +2560,7 @@
     </p:spTree>
     <p:extLst>
       <p:ext uri="{BB962C8B-B14F-4D97-AF65-F5344CB8AC3E}">
-        <p14:creationId xmlns:p14="http://schemas.microsoft.com/office/powerpoint/2010/main" val="2324281529"/>
+        <p14:creationId xmlns:p14="http://schemas.microsoft.com/office/powerpoint/2010/main" val="2369417301"/>
       </p:ext>
     </p:extLst>
   </p:cSld>
@@ -2653,7 +2635,7 @@
           <a:p>
             <a:fld id="{2626A500-1DA6-4541-BE61-DEBA7B330470}" type="slidenum">
               <a:rPr lang="es-ES" smtClean="0"/>
-              <a:t>32</a:t>
+              <a:t>31</a:t>
             </a:fld>
             <a:endParaRPr lang="es-ES"/>
           </a:p>
@@ -2662,7 +2644,7 @@
     </p:spTree>
     <p:extLst>
       <p:ext uri="{BB962C8B-B14F-4D97-AF65-F5344CB8AC3E}">
-        <p14:creationId xmlns:p14="http://schemas.microsoft.com/office/powerpoint/2010/main" val="556649249"/>
+        <p14:creationId xmlns:p14="http://schemas.microsoft.com/office/powerpoint/2010/main" val="3967788565"/>
       </p:ext>
     </p:extLst>
   </p:cSld>
@@ -2737,6 +2719,90 @@
           <a:p>
             <a:fld id="{2626A500-1DA6-4541-BE61-DEBA7B330470}" type="slidenum">
               <a:rPr lang="es-ES" smtClean="0"/>
+              <a:t>32</a:t>
+            </a:fld>
+            <a:endParaRPr lang="es-ES"/>
+          </a:p>
+        </p:txBody>
+      </p:sp>
+    </p:spTree>
+    <p:extLst>
+      <p:ext uri="{BB962C8B-B14F-4D97-AF65-F5344CB8AC3E}">
+        <p14:creationId xmlns:p14="http://schemas.microsoft.com/office/powerpoint/2010/main" val="556649249"/>
+      </p:ext>
+    </p:extLst>
+  </p:cSld>
+  <p:clrMapOvr>
+    <a:masterClrMapping/>
+  </p:clrMapOvr>
+</p:notes>
+</file>
+
+<file path=ppt/notesSlides/notesSlide32.xml><?xml version="1.0" encoding="utf-8"?>
+<p:notes xmlns:a="http://schemas.openxmlformats.org/drawingml/2006/main" xmlns:r="http://schemas.openxmlformats.org/officeDocument/2006/relationships" xmlns:p="http://schemas.openxmlformats.org/presentationml/2006/main">
+  <p:cSld>
+    <p:spTree>
+      <p:nvGrpSpPr>
+        <p:cNvPr id="1" name=""/>
+        <p:cNvGrpSpPr/>
+        <p:nvPr/>
+      </p:nvGrpSpPr>
+      <p:grpSpPr>
+        <a:xfrm>
+          <a:off x="0" y="0"/>
+          <a:ext cx="0" cy="0"/>
+          <a:chOff x="0" y="0"/>
+          <a:chExt cx="0" cy="0"/>
+        </a:xfrm>
+      </p:grpSpPr>
+      <p:sp>
+        <p:nvSpPr>
+          <p:cNvPr id="2" name="Marcador de imagen de diapositiva 1"/>
+          <p:cNvSpPr>
+            <a:spLocks noGrp="1" noRot="1" noChangeAspect="1"/>
+          </p:cNvSpPr>
+          <p:nvPr>
+            <p:ph type="sldImg"/>
+          </p:nvPr>
+        </p:nvSpPr>
+        <p:spPr/>
+      </p:sp>
+      <p:sp>
+        <p:nvSpPr>
+          <p:cNvPr id="3" name="Marcador de notas 2"/>
+          <p:cNvSpPr>
+            <a:spLocks noGrp="1"/>
+          </p:cNvSpPr>
+          <p:nvPr>
+            <p:ph type="body" idx="1"/>
+          </p:nvPr>
+        </p:nvSpPr>
+        <p:spPr/>
+        <p:txBody>
+          <a:bodyPr/>
+          <a:lstStyle/>
+          <a:p>
+            <a:endParaRPr lang="es-ES" dirty="0"/>
+          </a:p>
+        </p:txBody>
+      </p:sp>
+      <p:sp>
+        <p:nvSpPr>
+          <p:cNvPr id="4" name="Marcador de número de diapositiva 3"/>
+          <p:cNvSpPr>
+            <a:spLocks noGrp="1"/>
+          </p:cNvSpPr>
+          <p:nvPr>
+            <p:ph type="sldNum" sz="quarter" idx="10"/>
+          </p:nvPr>
+        </p:nvSpPr>
+        <p:spPr/>
+        <p:txBody>
+          <a:bodyPr/>
+          <a:lstStyle/>
+          <a:p>
+            <a:fld id="{2626A500-1DA6-4541-BE61-DEBA7B330470}" type="slidenum">
+              <a:rPr lang="es-ES" smtClean="0"/>
               <a:t>33</a:t>
             </a:fld>
             <a:endParaRPr lang="es-ES"/>
@@ -2756,7 +2822,7 @@
 </p:notes>
 </file>
 
-<file path=ppt/notesSlides/notesSlide32.xml><?xml version="1.0" encoding="utf-8"?>
+<file path=ppt/notesSlides/notesSlide33.xml><?xml version="1.0" encoding="utf-8"?>
 <p:notes xmlns:a="http://schemas.openxmlformats.org/drawingml/2006/main" xmlns:r="http://schemas.openxmlformats.org/officeDocument/2006/relationships" xmlns:p="http://schemas.openxmlformats.org/presentationml/2006/main">
   <p:cSld>
     <p:spTree>
@@ -2884,6 +2950,24 @@
           <a:bodyPr/>
           <a:lstStyle/>
           <a:p>
+            <a:r>
+              <a:rPr lang="es-ES" dirty="0"/>
+              <a:t>Imagen Guido van </a:t>
+            </a:r>
+            <a:r>
+              <a:rPr lang="es-ES" dirty="0" err="1"/>
+              <a:t>Rossum</a:t>
+            </a:r>
+            <a:r>
+              <a:rPr lang="es-ES" dirty="0"/>
+              <a:t> https://upload.wikimedia.org/wikipedia/commons/9/94/Guido_van_Rossum_OSCON_2006_cropped.png CC BY 2.0 Autor </a:t>
+            </a:r>
+            <a:r>
+              <a:rPr lang="es-ES" dirty="0" err="1">
+                <a:hlinkClick r:id="rId3" tooltip="User:Maartenschrijft"/>
+              </a:rPr>
+              <a:t>Maartenschrijft</a:t>
+            </a:r>
             <a:endParaRPr lang="es-ES" dirty="0"/>
           </a:p>
         </p:txBody>
@@ -2905,7 +2989,7 @@
           <a:p>
             <a:fld id="{2626A500-1DA6-4541-BE61-DEBA7B330470}" type="slidenum">
               <a:rPr lang="es-ES" smtClean="0"/>
-              <a:t>5</a:t>
+              <a:t>4</a:t>
             </a:fld>
             <a:endParaRPr lang="es-ES"/>
           </a:p>
@@ -2914,7 +2998,7 @@
     </p:spTree>
     <p:extLst>
       <p:ext uri="{BB962C8B-B14F-4D97-AF65-F5344CB8AC3E}">
-        <p14:creationId xmlns:p14="http://schemas.microsoft.com/office/powerpoint/2010/main" val="798581902"/>
+        <p14:creationId xmlns:p14="http://schemas.microsoft.com/office/powerpoint/2010/main" val="2324281529"/>
       </p:ext>
     </p:extLst>
   </p:cSld>
@@ -2989,7 +3073,7 @@
           <a:p>
             <a:fld id="{2626A500-1DA6-4541-BE61-DEBA7B330470}" type="slidenum">
               <a:rPr lang="es-ES" smtClean="0"/>
-              <a:t>6</a:t>
+              <a:t>5</a:t>
             </a:fld>
             <a:endParaRPr lang="es-ES"/>
           </a:p>
@@ -2998,7 +3082,7 @@
     </p:spTree>
     <p:extLst>
       <p:ext uri="{BB962C8B-B14F-4D97-AF65-F5344CB8AC3E}">
-        <p14:creationId xmlns:p14="http://schemas.microsoft.com/office/powerpoint/2010/main" val="4211556635"/>
+        <p14:creationId xmlns:p14="http://schemas.microsoft.com/office/powerpoint/2010/main" val="798581902"/>
       </p:ext>
     </p:extLst>
   </p:cSld>
@@ -3073,7 +3157,7 @@
           <a:p>
             <a:fld id="{2626A500-1DA6-4541-BE61-DEBA7B330470}" type="slidenum">
               <a:rPr lang="es-ES" smtClean="0"/>
-              <a:t>7</a:t>
+              <a:t>6</a:t>
             </a:fld>
             <a:endParaRPr lang="es-ES"/>
           </a:p>
@@ -3082,7 +3166,7 @@
     </p:spTree>
     <p:extLst>
       <p:ext uri="{BB962C8B-B14F-4D97-AF65-F5344CB8AC3E}">
-        <p14:creationId xmlns:p14="http://schemas.microsoft.com/office/powerpoint/2010/main" val="89605111"/>
+        <p14:creationId xmlns:p14="http://schemas.microsoft.com/office/powerpoint/2010/main" val="4211556635"/>
       </p:ext>
     </p:extLst>
   </p:cSld>
@@ -3157,7 +3241,7 @@
           <a:p>
             <a:fld id="{2626A500-1DA6-4541-BE61-DEBA7B330470}" type="slidenum">
               <a:rPr lang="es-ES" smtClean="0"/>
-              <a:t>8</a:t>
+              <a:t>7</a:t>
             </a:fld>
             <a:endParaRPr lang="es-ES"/>
           </a:p>
@@ -3166,7 +3250,7 @@
     </p:spTree>
     <p:extLst>
       <p:ext uri="{BB962C8B-B14F-4D97-AF65-F5344CB8AC3E}">
-        <p14:creationId xmlns:p14="http://schemas.microsoft.com/office/powerpoint/2010/main" val="3838247495"/>
+        <p14:creationId xmlns:p14="http://schemas.microsoft.com/office/powerpoint/2010/main" val="89605111"/>
       </p:ext>
     </p:extLst>
   </p:cSld>
@@ -3241,7 +3325,7 @@
           <a:p>
             <a:fld id="{2626A500-1DA6-4541-BE61-DEBA7B330470}" type="slidenum">
               <a:rPr lang="es-ES" smtClean="0"/>
-              <a:t>9</a:t>
+              <a:t>8</a:t>
             </a:fld>
             <a:endParaRPr lang="es-ES"/>
           </a:p>
@@ -3250,7 +3334,7 @@
     </p:spTree>
     <p:extLst>
       <p:ext uri="{BB962C8B-B14F-4D97-AF65-F5344CB8AC3E}">
-        <p14:creationId xmlns:p14="http://schemas.microsoft.com/office/powerpoint/2010/main" val="3759939828"/>
+        <p14:creationId xmlns:p14="http://schemas.microsoft.com/office/powerpoint/2010/main" val="3838247495"/>
       </p:ext>
     </p:extLst>
   </p:cSld>
@@ -3325,7 +3409,7 @@
           <a:p>
             <a:fld id="{2626A500-1DA6-4541-BE61-DEBA7B330470}" type="slidenum">
               <a:rPr lang="es-ES" smtClean="0"/>
-              <a:t>10</a:t>
+              <a:t>9</a:t>
             </a:fld>
             <a:endParaRPr lang="es-ES"/>
           </a:p>
@@ -3334,7 +3418,7 @@
     </p:spTree>
     <p:extLst>
       <p:ext uri="{BB962C8B-B14F-4D97-AF65-F5344CB8AC3E}">
-        <p14:creationId xmlns:p14="http://schemas.microsoft.com/office/powerpoint/2010/main" val="4165806672"/>
+        <p14:creationId xmlns:p14="http://schemas.microsoft.com/office/powerpoint/2010/main" val="3759939828"/>
       </p:ext>
     </p:extLst>
   </p:cSld>
@@ -5918,6 +6002,13 @@
               <a:rPr lang="es-ES" dirty="0"/>
               <a:t>Introducción a la programación con Python</a:t>
             </a:r>
+            <a:br>
+              <a:rPr lang="es-ES" dirty="0"/>
+            </a:br>
+            <a:r>
+              <a:rPr lang="es-ES" dirty="0"/>
+              <a:t>(edición limitada DAMP)</a:t>
+            </a:r>
           </a:p>
         </p:txBody>
       </p:sp>
@@ -5940,7 +6031,7 @@
           <a:p>
             <a:r>
               <a:rPr lang="es-ES" dirty="0">
-                <a:hlinkClick r:id="rId2"/>
+                <a:hlinkClick r:id="rId3"/>
               </a:rPr>
               <a:t>Javier García Algarra</a:t>
             </a:r>
@@ -5952,7 +6043,7 @@
             </a:br>
             <a:r>
               <a:rPr lang="es-ES" dirty="0">
-                <a:hlinkClick r:id="rId3"/>
+                <a:hlinkClick r:id="rId4"/>
               </a:rPr>
               <a:t>U-TAD</a:t>
             </a:r>
@@ -6329,7 +6420,7 @@
                 <a:effectLst/>
                 <a:latin typeface="+mj-lt"/>
                 <a:cs typeface="Times New Roman" panose="02020603050405020304" pitchFamily="18" charset="0"/>
-                <a:hlinkClick r:id="rId4"/>
+                <a:hlinkClick r:id="rId5"/>
               </a:rPr>
               <a:t>Creative</a:t>
             </a:r>
@@ -6344,7 +6435,7 @@
                 <a:effectLst/>
                 <a:latin typeface="+mj-lt"/>
                 <a:cs typeface="Times New Roman" panose="02020603050405020304" pitchFamily="18" charset="0"/>
-                <a:hlinkClick r:id="rId4"/>
+                <a:hlinkClick r:id="rId5"/>
               </a:rPr>
               <a:t> </a:t>
             </a:r>
@@ -6359,7 +6450,7 @@
                 <a:effectLst/>
                 <a:latin typeface="+mj-lt"/>
                 <a:cs typeface="Times New Roman" panose="02020603050405020304" pitchFamily="18" charset="0"/>
-                <a:hlinkClick r:id="rId4"/>
+                <a:hlinkClick r:id="rId5"/>
               </a:rPr>
               <a:t>Commons</a:t>
             </a:r>
@@ -6374,7 +6465,7 @@
                 <a:effectLst/>
                 <a:latin typeface="+mj-lt"/>
                 <a:cs typeface="Times New Roman" panose="02020603050405020304" pitchFamily="18" charset="0"/>
-                <a:hlinkClick r:id="rId4"/>
+                <a:hlinkClick r:id="rId5"/>
               </a:rPr>
               <a:t> Reconocimiento 4.0 Internacional </a:t>
             </a:r>
@@ -6389,7 +6480,7 @@
                 <a:effectLst/>
                 <a:latin typeface="+mj-lt"/>
                 <a:cs typeface="Times New Roman" panose="02020603050405020304" pitchFamily="18" charset="0"/>
-                <a:hlinkClick r:id="rId4"/>
+                <a:hlinkClick r:id="rId5"/>
               </a:rPr>
               <a:t>License</a:t>
             </a:r>
@@ -6444,7 +6535,7 @@
                 <a:effectLst/>
                 <a:latin typeface="+mj-lt"/>
                 <a:cs typeface="Times New Roman" panose="02020603050405020304" pitchFamily="18" charset="0"/>
-                <a:hlinkClick r:id="rId5"/>
+                <a:hlinkClick r:id="rId6"/>
               </a:rPr>
               <a:t>https://github.com/jgalgarra/introprogpython</a:t>
             </a:r>
@@ -6479,7 +6570,7 @@
       <p:pic>
         <p:nvPicPr>
           <p:cNvPr id="1026" name="Picture 2" descr="Licencia de Creative Commons">
-            <a:hlinkClick r:id="rId4"/>
+            <a:hlinkClick r:id="rId5"/>
             <a:extLst>
               <a:ext uri="{FF2B5EF4-FFF2-40B4-BE49-F238E27FC236}">
                 <a16:creationId xmlns:a16="http://schemas.microsoft.com/office/drawing/2014/main" id="{74A8CA76-1B4B-44DC-A351-81EE88DE2DB0}"/>
@@ -6492,7 +6583,7 @@
           <p:nvPr/>
         </p:nvPicPr>
         <p:blipFill>
-          <a:blip r:embed="rId6">
+          <a:blip r:embed="rId7">
             <a:extLst>
               <a:ext uri="{28A0092B-C50C-407E-A947-70E740481C1C}">
                 <a14:useLocalDpi xmlns:a14="http://schemas.microsoft.com/office/drawing/2010/main" val="0"/>
@@ -7433,7 +7524,7 @@
               <a:rPr lang="es-ES" dirty="0">
                 <a:hlinkClick r:id="rId3"/>
               </a:rPr>
-              <a:t>https://github.com/jgalgarra/introprogpython</a:t>
+              <a:t>https://github.com/jgalgarra/pythonDAMP/</a:t>
             </a:r>
             <a:endParaRPr lang="es-ES" dirty="0"/>
           </a:p>
@@ -7589,36 +7680,6 @@
           </a:p>
         </p:txBody>
       </p:sp>
-      <p:pic>
-        <p:nvPicPr>
-          <p:cNvPr id="10" name="Imagen 9">
-            <a:extLst>
-              <a:ext uri="{FF2B5EF4-FFF2-40B4-BE49-F238E27FC236}">
-                <a16:creationId xmlns:a16="http://schemas.microsoft.com/office/drawing/2014/main" id="{1D804F29-A3AD-4AFB-9086-5565F812BD6E}"/>
-              </a:ext>
-            </a:extLst>
-          </p:cNvPr>
-          <p:cNvPicPr>
-            <a:picLocks noChangeAspect="1"/>
-          </p:cNvPicPr>
-          <p:nvPr/>
-        </p:nvPicPr>
-        <p:blipFill>
-          <a:blip r:embed="rId5"/>
-          <a:stretch>
-            <a:fillRect/>
-          </a:stretch>
-        </p:blipFill>
-        <p:spPr>
-          <a:xfrm>
-            <a:off x="5031294" y="2652068"/>
-            <a:ext cx="3898805" cy="2006837"/>
-          </a:xfrm>
-          <a:prstGeom prst="rect">
-            <a:avLst/>
-          </a:prstGeom>
-        </p:spPr>
-      </p:pic>
       <p:cxnSp>
         <p:nvCxnSpPr>
           <p:cNvPr id="14" name="Conector recto de flecha 13">
@@ -7677,7 +7738,7 @@
         </p:nvSpPr>
         <p:spPr>
           <a:xfrm>
-            <a:off x="6228184" y="5087064"/>
+            <a:off x="6264608" y="5088367"/>
             <a:ext cx="1736373" cy="369332"/>
           </a:xfrm>
           <a:prstGeom prst="rect">
@@ -7702,6 +7763,36 @@
           </a:p>
         </p:txBody>
       </p:sp>
+      <p:pic>
+        <p:nvPicPr>
+          <p:cNvPr id="3" name="Imagen 2">
+            <a:extLst>
+              <a:ext uri="{FF2B5EF4-FFF2-40B4-BE49-F238E27FC236}">
+                <a16:creationId xmlns:a16="http://schemas.microsoft.com/office/drawing/2014/main" id="{F5E74526-8BC4-467C-8CAE-6F956B73DF20}"/>
+              </a:ext>
+            </a:extLst>
+          </p:cNvPr>
+          <p:cNvPicPr>
+            <a:picLocks noChangeAspect="1"/>
+          </p:cNvPicPr>
+          <p:nvPr/>
+        </p:nvPicPr>
+        <p:blipFill>
+          <a:blip r:embed="rId5"/>
+          <a:stretch>
+            <a:fillRect/>
+          </a:stretch>
+        </p:blipFill>
+        <p:spPr>
+          <a:xfrm>
+            <a:off x="3461699" y="2692632"/>
+            <a:ext cx="4522285" cy="2216070"/>
+          </a:xfrm>
+          <a:prstGeom prst="rect">
+            <a:avLst/>
+          </a:prstGeom>
+        </p:spPr>
+      </p:pic>
       <p:cxnSp>
         <p:nvCxnSpPr>
           <p:cNvPr id="17" name="Conector recto de flecha 16">
@@ -7716,7 +7807,7 @@
         </p:nvCxnSpPr>
         <p:spPr>
           <a:xfrm flipV="1">
-            <a:off x="7380312" y="4509120"/>
+            <a:off x="7452320" y="4653516"/>
             <a:ext cx="0" cy="538298"/>
           </a:xfrm>
           <a:prstGeom prst="straightConnector1">
@@ -10817,6 +10908,42 @@
           </a:p>
         </p:txBody>
       </p:sp>
+      <p:pic>
+        <p:nvPicPr>
+          <p:cNvPr id="7" name="Imagen 6">
+            <a:extLst>
+              <a:ext uri="{FF2B5EF4-FFF2-40B4-BE49-F238E27FC236}">
+                <a16:creationId xmlns:a16="http://schemas.microsoft.com/office/drawing/2014/main" id="{1133BD87-59A4-4302-A97B-1FA136E29116}"/>
+              </a:ext>
+            </a:extLst>
+          </p:cNvPr>
+          <p:cNvPicPr>
+            <a:picLocks noChangeAspect="1"/>
+          </p:cNvPicPr>
+          <p:nvPr/>
+        </p:nvPicPr>
+        <p:blipFill>
+          <a:blip r:embed="rId4">
+            <a:extLst>
+              <a:ext uri="{28A0092B-C50C-407E-A947-70E740481C1C}">
+                <a14:useLocalDpi xmlns:a14="http://schemas.microsoft.com/office/drawing/2010/main" val="0"/>
+              </a:ext>
+            </a:extLst>
+          </a:blip>
+          <a:stretch>
+            <a:fillRect/>
+          </a:stretch>
+        </p:blipFill>
+        <p:spPr>
+          <a:xfrm>
+            <a:off x="3519911" y="3382829"/>
+            <a:ext cx="2466975" cy="1790700"/>
+          </a:xfrm>
+          <a:prstGeom prst="rect">
+            <a:avLst/>
+          </a:prstGeom>
+        </p:spPr>
+      </p:pic>
     </p:spTree>
     <p:extLst>
       <p:ext uri="{BB962C8B-B14F-4D97-AF65-F5344CB8AC3E}">
@@ -11894,7 +12021,7 @@
           <a:graphicData uri="http://schemas.openxmlformats.org/presentationml/2006/ole">
             <mc:AlternateContent xmlns:mc="http://schemas.openxmlformats.org/markup-compatibility/2006">
               <mc:Choice xmlns:v="urn:schemas-microsoft-com:vml" Requires="v">
-                <p:oleObj spid="_x0000_s1100" name="Imagen de mapa de bits" r:id="rId5" imgW="4083120" imgH="3886200" progId="Paint.Picture">
+                <p:oleObj spid="_x0000_s1102" name="Imagen de mapa de bits" r:id="rId5" imgW="4083120" imgH="3886200" progId="Paint.Picture">
                   <p:embed/>
                 </p:oleObj>
               </mc:Choice>
@@ -13374,7 +13501,7 @@
         </p:nvSpPr>
         <p:spPr>
           <a:xfrm>
-            <a:off x="2771800" y="3561838"/>
+            <a:off x="2790290" y="3266053"/>
             <a:ext cx="6480720" cy="646331"/>
           </a:xfrm>
           <a:prstGeom prst="rect">
@@ -13427,7 +13554,7 @@
         </p:nvSpPr>
         <p:spPr>
           <a:xfrm>
-            <a:off x="3591135" y="4614135"/>
+            <a:off x="3591135" y="4798916"/>
             <a:ext cx="6282209" cy="646331"/>
           </a:xfrm>
           <a:prstGeom prst="rect">
@@ -13560,6 +13687,47 @@
                 </a:solidFill>
               </a:rPr>
               <a:t>necesidades imaginables.</a:t>
+            </a:r>
+          </a:p>
+        </p:txBody>
+      </p:sp>
+      <p:sp>
+        <p:nvSpPr>
+          <p:cNvPr id="11" name="CuadroTexto 10">
+            <a:extLst>
+              <a:ext uri="{FF2B5EF4-FFF2-40B4-BE49-F238E27FC236}">
+                <a16:creationId xmlns:a16="http://schemas.microsoft.com/office/drawing/2014/main" id="{D833C996-0B4A-42D5-9CB8-D3119AE46DBD}"/>
+              </a:ext>
+            </a:extLst>
+          </p:cNvPr>
+          <p:cNvSpPr txBox="1"/>
+          <p:nvPr/>
+        </p:nvSpPr>
+        <p:spPr>
+          <a:xfrm>
+            <a:off x="3347864" y="4030244"/>
+            <a:ext cx="5653607" cy="646331"/>
+          </a:xfrm>
+          <a:prstGeom prst="rect">
+            <a:avLst/>
+          </a:prstGeom>
+          <a:noFill/>
+        </p:spPr>
+        <p:txBody>
+          <a:bodyPr wrap="square" rtlCol="0">
+            <a:spAutoFit/>
+          </a:bodyPr>
+          <a:lstStyle/>
+          <a:p>
+            <a:r>
+              <a:rPr lang="es-ES" dirty="0">
+                <a:solidFill>
+                  <a:schemeClr val="accent3">
+                    <a:lumMod val="50000"/>
+                  </a:schemeClr>
+                </a:solidFill>
+              </a:rPr>
+              <a:t>Soporta programación estructurada, orientada a objetos y funcional</a:t>
             </a:r>
           </a:p>
         </p:txBody>
